--- a/ppt 16-9/0449.前进！向前进.pptx
+++ b/ppt 16-9/0449.前进！向前进.pptx
@@ -129,7 +129,7 @@
           <p:cNvPr id="2" name="标题 1">
             <a:extLst>
               <a:ext uri="{FF2B5EF4-FFF2-40B4-BE49-F238E27FC236}">
-                <a16:creationId xmlns:a16="http://schemas.microsoft.com/office/drawing/2014/main" id="{BB5C494F-C04F-30B5-6B85-6A36A10121ED}"/>
+                <a16:creationId xmlns:a16="http://schemas.microsoft.com/office/drawing/2014/main" id="{116F5016-C8A1-B339-2268-A38C05987224}"/>
               </a:ext>
             </a:extLst>
           </p:cNvPr>
@@ -166,7 +166,7 @@
           <p:cNvPr id="3" name="副标题 2">
             <a:extLst>
               <a:ext uri="{FF2B5EF4-FFF2-40B4-BE49-F238E27FC236}">
-                <a16:creationId xmlns:a16="http://schemas.microsoft.com/office/drawing/2014/main" id="{0624051D-1E6E-6AE0-9BB9-E2A6B3DBEDA8}"/>
+                <a16:creationId xmlns:a16="http://schemas.microsoft.com/office/drawing/2014/main" id="{96DE003F-5AFA-6608-FBE5-C14823F4FF08}"/>
               </a:ext>
             </a:extLst>
           </p:cNvPr>
@@ -236,7 +236,7 @@
           <p:cNvPr id="4" name="日期占位符 3">
             <a:extLst>
               <a:ext uri="{FF2B5EF4-FFF2-40B4-BE49-F238E27FC236}">
-                <a16:creationId xmlns:a16="http://schemas.microsoft.com/office/drawing/2014/main" id="{310B2BDD-7078-5955-E0E9-A02EBB125147}"/>
+                <a16:creationId xmlns:a16="http://schemas.microsoft.com/office/drawing/2014/main" id="{E9025990-E5BA-ABB6-9D90-56C6E49425DD}"/>
               </a:ext>
             </a:extLst>
           </p:cNvPr>
@@ -252,7 +252,7 @@
           <a:bodyPr/>
           <a:lstStyle/>
           <a:p>
-            <a:fld id="{4C4416E0-329F-4E98-BC1C-94B0DC4E04A3}" type="datetimeFigureOut">
+            <a:fld id="{530CC64E-B7EC-4074-BA2F-697771490B00}" type="datetimeFigureOut">
               <a:rPr lang="zh-CN" altLang="en-US" smtClean="0"/>
               <a:t>2024/3/10</a:t>
             </a:fld>
@@ -265,7 +265,7 @@
           <p:cNvPr id="5" name="页脚占位符 4">
             <a:extLst>
               <a:ext uri="{FF2B5EF4-FFF2-40B4-BE49-F238E27FC236}">
-                <a16:creationId xmlns:a16="http://schemas.microsoft.com/office/drawing/2014/main" id="{ACB9E115-9A1F-AA36-AB2B-04BBA931D8D1}"/>
+                <a16:creationId xmlns:a16="http://schemas.microsoft.com/office/drawing/2014/main" id="{32D49AED-1FDC-97CF-2170-E3D272A76A36}"/>
               </a:ext>
             </a:extLst>
           </p:cNvPr>
@@ -290,7 +290,7 @@
           <p:cNvPr id="6" name="灯片编号占位符 5">
             <a:extLst>
               <a:ext uri="{FF2B5EF4-FFF2-40B4-BE49-F238E27FC236}">
-                <a16:creationId xmlns:a16="http://schemas.microsoft.com/office/drawing/2014/main" id="{B24CB3F4-D81F-EDDD-70A3-8343EA5EBDAD}"/>
+                <a16:creationId xmlns:a16="http://schemas.microsoft.com/office/drawing/2014/main" id="{801B73E5-ED61-9344-BEF0-4823C53C3805}"/>
               </a:ext>
             </a:extLst>
           </p:cNvPr>
@@ -306,7 +306,7 @@
           <a:bodyPr/>
           <a:lstStyle/>
           <a:p>
-            <a:fld id="{4479701C-4262-4C3A-ACBF-4410DE2D1F17}" type="slidenum">
+            <a:fld id="{B93485D2-D1B7-435E-8AF7-444BCFDC1A37}" type="slidenum">
               <a:rPr lang="zh-CN" altLang="en-US" smtClean="0"/>
               <a:t>‹#›</a:t>
             </a:fld>
@@ -317,7 +317,7 @@
     </p:spTree>
     <p:extLst>
       <p:ext uri="{BB962C8B-B14F-4D97-AF65-F5344CB8AC3E}">
-        <p14:creationId xmlns:p14="http://schemas.microsoft.com/office/powerpoint/2010/main" val="3133613496"/>
+        <p14:creationId xmlns:p14="http://schemas.microsoft.com/office/powerpoint/2010/main" val="1184317764"/>
       </p:ext>
     </p:extLst>
   </p:cSld>
@@ -349,7 +349,7 @@
           <p:cNvPr id="2" name="标题 1">
             <a:extLst>
               <a:ext uri="{FF2B5EF4-FFF2-40B4-BE49-F238E27FC236}">
-                <a16:creationId xmlns:a16="http://schemas.microsoft.com/office/drawing/2014/main" id="{A6032DA8-BFAB-807E-408B-3770E2503E1F}"/>
+                <a16:creationId xmlns:a16="http://schemas.microsoft.com/office/drawing/2014/main" id="{D24A5FB7-39B2-96AF-1F0F-C2DB27E4CAD1}"/>
               </a:ext>
             </a:extLst>
           </p:cNvPr>
@@ -377,7 +377,7 @@
           <p:cNvPr id="3" name="竖排文字占位符 2">
             <a:extLst>
               <a:ext uri="{FF2B5EF4-FFF2-40B4-BE49-F238E27FC236}">
-                <a16:creationId xmlns:a16="http://schemas.microsoft.com/office/drawing/2014/main" id="{72B21CA0-19BD-8656-03F2-901FB643A726}"/>
+                <a16:creationId xmlns:a16="http://schemas.microsoft.com/office/drawing/2014/main" id="{4CD99FB3-097D-5650-E532-9371897A09C4}"/>
               </a:ext>
             </a:extLst>
           </p:cNvPr>
@@ -434,7 +434,7 @@
           <p:cNvPr id="4" name="日期占位符 3">
             <a:extLst>
               <a:ext uri="{FF2B5EF4-FFF2-40B4-BE49-F238E27FC236}">
-                <a16:creationId xmlns:a16="http://schemas.microsoft.com/office/drawing/2014/main" id="{06889B5D-A92D-A20B-863C-1F66B1B18594}"/>
+                <a16:creationId xmlns:a16="http://schemas.microsoft.com/office/drawing/2014/main" id="{C7FD0B7A-24F3-126B-7A43-5C16A68EE64A}"/>
               </a:ext>
             </a:extLst>
           </p:cNvPr>
@@ -450,7 +450,7 @@
           <a:bodyPr/>
           <a:lstStyle/>
           <a:p>
-            <a:fld id="{4C4416E0-329F-4E98-BC1C-94B0DC4E04A3}" type="datetimeFigureOut">
+            <a:fld id="{530CC64E-B7EC-4074-BA2F-697771490B00}" type="datetimeFigureOut">
               <a:rPr lang="zh-CN" altLang="en-US" smtClean="0"/>
               <a:t>2024/3/10</a:t>
             </a:fld>
@@ -463,7 +463,7 @@
           <p:cNvPr id="5" name="页脚占位符 4">
             <a:extLst>
               <a:ext uri="{FF2B5EF4-FFF2-40B4-BE49-F238E27FC236}">
-                <a16:creationId xmlns:a16="http://schemas.microsoft.com/office/drawing/2014/main" id="{AA85872D-63DD-5A3D-A0D4-FAC9824AC230}"/>
+                <a16:creationId xmlns:a16="http://schemas.microsoft.com/office/drawing/2014/main" id="{B05D2AB3-A713-AE0D-72C8-ADA6625FEB3C}"/>
               </a:ext>
             </a:extLst>
           </p:cNvPr>
@@ -488,7 +488,7 @@
           <p:cNvPr id="6" name="灯片编号占位符 5">
             <a:extLst>
               <a:ext uri="{FF2B5EF4-FFF2-40B4-BE49-F238E27FC236}">
-                <a16:creationId xmlns:a16="http://schemas.microsoft.com/office/drawing/2014/main" id="{122AB789-F771-E201-0132-ADCE66DFC22D}"/>
+                <a16:creationId xmlns:a16="http://schemas.microsoft.com/office/drawing/2014/main" id="{F60256D6-4C14-68F5-66DC-DF09BE8F66FE}"/>
               </a:ext>
             </a:extLst>
           </p:cNvPr>
@@ -504,7 +504,7 @@
           <a:bodyPr/>
           <a:lstStyle/>
           <a:p>
-            <a:fld id="{4479701C-4262-4C3A-ACBF-4410DE2D1F17}" type="slidenum">
+            <a:fld id="{B93485D2-D1B7-435E-8AF7-444BCFDC1A37}" type="slidenum">
               <a:rPr lang="zh-CN" altLang="en-US" smtClean="0"/>
               <a:t>‹#›</a:t>
             </a:fld>
@@ -515,7 +515,7 @@
     </p:spTree>
     <p:extLst>
       <p:ext uri="{BB962C8B-B14F-4D97-AF65-F5344CB8AC3E}">
-        <p14:creationId xmlns:p14="http://schemas.microsoft.com/office/powerpoint/2010/main" val="2030885516"/>
+        <p14:creationId xmlns:p14="http://schemas.microsoft.com/office/powerpoint/2010/main" val="1352592519"/>
       </p:ext>
     </p:extLst>
   </p:cSld>
@@ -547,7 +547,7 @@
           <p:cNvPr id="2" name="竖排标题 1">
             <a:extLst>
               <a:ext uri="{FF2B5EF4-FFF2-40B4-BE49-F238E27FC236}">
-                <a16:creationId xmlns:a16="http://schemas.microsoft.com/office/drawing/2014/main" id="{58D58D62-659E-0BE1-C8D3-BE512A62DE57}"/>
+                <a16:creationId xmlns:a16="http://schemas.microsoft.com/office/drawing/2014/main" id="{6A408DBC-7210-6DB1-D143-EFB79C327DDC}"/>
               </a:ext>
             </a:extLst>
           </p:cNvPr>
@@ -580,7 +580,7 @@
           <p:cNvPr id="3" name="竖排文字占位符 2">
             <a:extLst>
               <a:ext uri="{FF2B5EF4-FFF2-40B4-BE49-F238E27FC236}">
-                <a16:creationId xmlns:a16="http://schemas.microsoft.com/office/drawing/2014/main" id="{A5801369-F40F-67EE-805C-5F51A6375688}"/>
+                <a16:creationId xmlns:a16="http://schemas.microsoft.com/office/drawing/2014/main" id="{4DD806F2-CA39-940B-13E1-CCB8CC7E7096}"/>
               </a:ext>
             </a:extLst>
           </p:cNvPr>
@@ -642,7 +642,7 @@
           <p:cNvPr id="4" name="日期占位符 3">
             <a:extLst>
               <a:ext uri="{FF2B5EF4-FFF2-40B4-BE49-F238E27FC236}">
-                <a16:creationId xmlns:a16="http://schemas.microsoft.com/office/drawing/2014/main" id="{62290102-A6AD-9B04-66DA-2F7A0F7B8D3F}"/>
+                <a16:creationId xmlns:a16="http://schemas.microsoft.com/office/drawing/2014/main" id="{1931C380-9B2D-E1BA-CB8C-6F6BA4E51778}"/>
               </a:ext>
             </a:extLst>
           </p:cNvPr>
@@ -658,7 +658,7 @@
           <a:bodyPr/>
           <a:lstStyle/>
           <a:p>
-            <a:fld id="{4C4416E0-329F-4E98-BC1C-94B0DC4E04A3}" type="datetimeFigureOut">
+            <a:fld id="{530CC64E-B7EC-4074-BA2F-697771490B00}" type="datetimeFigureOut">
               <a:rPr lang="zh-CN" altLang="en-US" smtClean="0"/>
               <a:t>2024/3/10</a:t>
             </a:fld>
@@ -671,7 +671,7 @@
           <p:cNvPr id="5" name="页脚占位符 4">
             <a:extLst>
               <a:ext uri="{FF2B5EF4-FFF2-40B4-BE49-F238E27FC236}">
-                <a16:creationId xmlns:a16="http://schemas.microsoft.com/office/drawing/2014/main" id="{EC9BF5EF-B1F6-6831-9E52-15DC863CB690}"/>
+                <a16:creationId xmlns:a16="http://schemas.microsoft.com/office/drawing/2014/main" id="{329706D8-C33C-0B42-734E-985ED1508886}"/>
               </a:ext>
             </a:extLst>
           </p:cNvPr>
@@ -696,7 +696,7 @@
           <p:cNvPr id="6" name="灯片编号占位符 5">
             <a:extLst>
               <a:ext uri="{FF2B5EF4-FFF2-40B4-BE49-F238E27FC236}">
-                <a16:creationId xmlns:a16="http://schemas.microsoft.com/office/drawing/2014/main" id="{D58F5921-8C61-54E7-D2C2-4A979F42144B}"/>
+                <a16:creationId xmlns:a16="http://schemas.microsoft.com/office/drawing/2014/main" id="{EFDAC8A6-5B4E-78C9-C466-49E3E23BEDF6}"/>
               </a:ext>
             </a:extLst>
           </p:cNvPr>
@@ -712,7 +712,7 @@
           <a:bodyPr/>
           <a:lstStyle/>
           <a:p>
-            <a:fld id="{4479701C-4262-4C3A-ACBF-4410DE2D1F17}" type="slidenum">
+            <a:fld id="{B93485D2-D1B7-435E-8AF7-444BCFDC1A37}" type="slidenum">
               <a:rPr lang="zh-CN" altLang="en-US" smtClean="0"/>
               <a:t>‹#›</a:t>
             </a:fld>
@@ -723,7 +723,7 @@
     </p:spTree>
     <p:extLst>
       <p:ext uri="{BB962C8B-B14F-4D97-AF65-F5344CB8AC3E}">
-        <p14:creationId xmlns:p14="http://schemas.microsoft.com/office/powerpoint/2010/main" val="278389949"/>
+        <p14:creationId xmlns:p14="http://schemas.microsoft.com/office/powerpoint/2010/main" val="59510926"/>
       </p:ext>
     </p:extLst>
   </p:cSld>
@@ -755,7 +755,7 @@
           <p:cNvPr id="2" name="标题 1">
             <a:extLst>
               <a:ext uri="{FF2B5EF4-FFF2-40B4-BE49-F238E27FC236}">
-                <a16:creationId xmlns:a16="http://schemas.microsoft.com/office/drawing/2014/main" id="{42AE9F14-1E26-6E7E-26ED-8092AE969E12}"/>
+                <a16:creationId xmlns:a16="http://schemas.microsoft.com/office/drawing/2014/main" id="{25C28E59-A853-CA74-CBD1-58919AFEFAE1}"/>
               </a:ext>
             </a:extLst>
           </p:cNvPr>
@@ -783,7 +783,7 @@
           <p:cNvPr id="3" name="内容占位符 2">
             <a:extLst>
               <a:ext uri="{FF2B5EF4-FFF2-40B4-BE49-F238E27FC236}">
-                <a16:creationId xmlns:a16="http://schemas.microsoft.com/office/drawing/2014/main" id="{4C8582EE-8B39-F906-1B68-3671102F843E}"/>
+                <a16:creationId xmlns:a16="http://schemas.microsoft.com/office/drawing/2014/main" id="{18944CFC-483F-02FE-4243-D8746826FD37}"/>
               </a:ext>
             </a:extLst>
           </p:cNvPr>
@@ -840,7 +840,7 @@
           <p:cNvPr id="4" name="日期占位符 3">
             <a:extLst>
               <a:ext uri="{FF2B5EF4-FFF2-40B4-BE49-F238E27FC236}">
-                <a16:creationId xmlns:a16="http://schemas.microsoft.com/office/drawing/2014/main" id="{600BDE29-8EEE-37BE-2A56-720674A2BD17}"/>
+                <a16:creationId xmlns:a16="http://schemas.microsoft.com/office/drawing/2014/main" id="{D3F2CBC7-7A42-48A5-D741-0DF24924E353}"/>
               </a:ext>
             </a:extLst>
           </p:cNvPr>
@@ -856,7 +856,7 @@
           <a:bodyPr/>
           <a:lstStyle/>
           <a:p>
-            <a:fld id="{4C4416E0-329F-4E98-BC1C-94B0DC4E04A3}" type="datetimeFigureOut">
+            <a:fld id="{530CC64E-B7EC-4074-BA2F-697771490B00}" type="datetimeFigureOut">
               <a:rPr lang="zh-CN" altLang="en-US" smtClean="0"/>
               <a:t>2024/3/10</a:t>
             </a:fld>
@@ -869,7 +869,7 @@
           <p:cNvPr id="5" name="页脚占位符 4">
             <a:extLst>
               <a:ext uri="{FF2B5EF4-FFF2-40B4-BE49-F238E27FC236}">
-                <a16:creationId xmlns:a16="http://schemas.microsoft.com/office/drawing/2014/main" id="{2879A815-DBB6-DEE5-DF20-FF204385D2EC}"/>
+                <a16:creationId xmlns:a16="http://schemas.microsoft.com/office/drawing/2014/main" id="{282CED4A-F992-E120-8F1B-E45B83FD1644}"/>
               </a:ext>
             </a:extLst>
           </p:cNvPr>
@@ -894,7 +894,7 @@
           <p:cNvPr id="6" name="灯片编号占位符 5">
             <a:extLst>
               <a:ext uri="{FF2B5EF4-FFF2-40B4-BE49-F238E27FC236}">
-                <a16:creationId xmlns:a16="http://schemas.microsoft.com/office/drawing/2014/main" id="{98579CAE-A1E8-8A67-A174-F2E3D8502ED9}"/>
+                <a16:creationId xmlns:a16="http://schemas.microsoft.com/office/drawing/2014/main" id="{ACFBC975-3D6E-F3EE-51E8-766FCF3543B4}"/>
               </a:ext>
             </a:extLst>
           </p:cNvPr>
@@ -910,7 +910,7 @@
           <a:bodyPr/>
           <a:lstStyle/>
           <a:p>
-            <a:fld id="{4479701C-4262-4C3A-ACBF-4410DE2D1F17}" type="slidenum">
+            <a:fld id="{B93485D2-D1B7-435E-8AF7-444BCFDC1A37}" type="slidenum">
               <a:rPr lang="zh-CN" altLang="en-US" smtClean="0"/>
               <a:t>‹#›</a:t>
             </a:fld>
@@ -921,7 +921,7 @@
     </p:spTree>
     <p:extLst>
       <p:ext uri="{BB962C8B-B14F-4D97-AF65-F5344CB8AC3E}">
-        <p14:creationId xmlns:p14="http://schemas.microsoft.com/office/powerpoint/2010/main" val="52486488"/>
+        <p14:creationId xmlns:p14="http://schemas.microsoft.com/office/powerpoint/2010/main" val="3602636837"/>
       </p:ext>
     </p:extLst>
   </p:cSld>
@@ -953,7 +953,7 @@
           <p:cNvPr id="2" name="标题 1">
             <a:extLst>
               <a:ext uri="{FF2B5EF4-FFF2-40B4-BE49-F238E27FC236}">
-                <a16:creationId xmlns:a16="http://schemas.microsoft.com/office/drawing/2014/main" id="{07AA5627-BA45-B310-E5C7-78A09F7B3EA6}"/>
+                <a16:creationId xmlns:a16="http://schemas.microsoft.com/office/drawing/2014/main" id="{DC9D7788-3BDE-E0D8-5533-133B2CDCDB50}"/>
               </a:ext>
             </a:extLst>
           </p:cNvPr>
@@ -990,7 +990,7 @@
           <p:cNvPr id="3" name="文本占位符 2">
             <a:extLst>
               <a:ext uri="{FF2B5EF4-FFF2-40B4-BE49-F238E27FC236}">
-                <a16:creationId xmlns:a16="http://schemas.microsoft.com/office/drawing/2014/main" id="{40B26834-F31E-D7AB-99BF-0EB226E7CAD8}"/>
+                <a16:creationId xmlns:a16="http://schemas.microsoft.com/office/drawing/2014/main" id="{90EEE820-2492-862D-5485-1C95D11BB037}"/>
               </a:ext>
             </a:extLst>
           </p:cNvPr>
@@ -1115,7 +1115,7 @@
           <p:cNvPr id="4" name="日期占位符 3">
             <a:extLst>
               <a:ext uri="{FF2B5EF4-FFF2-40B4-BE49-F238E27FC236}">
-                <a16:creationId xmlns:a16="http://schemas.microsoft.com/office/drawing/2014/main" id="{C1661231-7B82-C35E-A6A7-302E590DB54E}"/>
+                <a16:creationId xmlns:a16="http://schemas.microsoft.com/office/drawing/2014/main" id="{DE91CFF9-2BE3-75CA-9269-70A277280EDB}"/>
               </a:ext>
             </a:extLst>
           </p:cNvPr>
@@ -1131,7 +1131,7 @@
           <a:bodyPr/>
           <a:lstStyle/>
           <a:p>
-            <a:fld id="{4C4416E0-329F-4E98-BC1C-94B0DC4E04A3}" type="datetimeFigureOut">
+            <a:fld id="{530CC64E-B7EC-4074-BA2F-697771490B00}" type="datetimeFigureOut">
               <a:rPr lang="zh-CN" altLang="en-US" smtClean="0"/>
               <a:t>2024/3/10</a:t>
             </a:fld>
@@ -1144,7 +1144,7 @@
           <p:cNvPr id="5" name="页脚占位符 4">
             <a:extLst>
               <a:ext uri="{FF2B5EF4-FFF2-40B4-BE49-F238E27FC236}">
-                <a16:creationId xmlns:a16="http://schemas.microsoft.com/office/drawing/2014/main" id="{7E6BA884-3793-F3DE-FE3D-626F6B197DAD}"/>
+                <a16:creationId xmlns:a16="http://schemas.microsoft.com/office/drawing/2014/main" id="{97F986B0-097D-BCE1-8D28-213E3AC70154}"/>
               </a:ext>
             </a:extLst>
           </p:cNvPr>
@@ -1169,7 +1169,7 @@
           <p:cNvPr id="6" name="灯片编号占位符 5">
             <a:extLst>
               <a:ext uri="{FF2B5EF4-FFF2-40B4-BE49-F238E27FC236}">
-                <a16:creationId xmlns:a16="http://schemas.microsoft.com/office/drawing/2014/main" id="{D266C643-4079-0328-4724-C2CF3AC675BE}"/>
+                <a16:creationId xmlns:a16="http://schemas.microsoft.com/office/drawing/2014/main" id="{8B5D720C-870F-C3F9-EC44-29DD56CCC495}"/>
               </a:ext>
             </a:extLst>
           </p:cNvPr>
@@ -1185,7 +1185,7 @@
           <a:bodyPr/>
           <a:lstStyle/>
           <a:p>
-            <a:fld id="{4479701C-4262-4C3A-ACBF-4410DE2D1F17}" type="slidenum">
+            <a:fld id="{B93485D2-D1B7-435E-8AF7-444BCFDC1A37}" type="slidenum">
               <a:rPr lang="zh-CN" altLang="en-US" smtClean="0"/>
               <a:t>‹#›</a:t>
             </a:fld>
@@ -1196,7 +1196,7 @@
     </p:spTree>
     <p:extLst>
       <p:ext uri="{BB962C8B-B14F-4D97-AF65-F5344CB8AC3E}">
-        <p14:creationId xmlns:p14="http://schemas.microsoft.com/office/powerpoint/2010/main" val="4079972904"/>
+        <p14:creationId xmlns:p14="http://schemas.microsoft.com/office/powerpoint/2010/main" val="1360945844"/>
       </p:ext>
     </p:extLst>
   </p:cSld>
@@ -1228,7 +1228,7 @@
           <p:cNvPr id="2" name="标题 1">
             <a:extLst>
               <a:ext uri="{FF2B5EF4-FFF2-40B4-BE49-F238E27FC236}">
-                <a16:creationId xmlns:a16="http://schemas.microsoft.com/office/drawing/2014/main" id="{AE718DE4-860A-84EB-4E92-57313EF968CC}"/>
+                <a16:creationId xmlns:a16="http://schemas.microsoft.com/office/drawing/2014/main" id="{FEB77D2F-7556-3EE9-8E48-13E44EF91560}"/>
               </a:ext>
             </a:extLst>
           </p:cNvPr>
@@ -1256,7 +1256,7 @@
           <p:cNvPr id="3" name="内容占位符 2">
             <a:extLst>
               <a:ext uri="{FF2B5EF4-FFF2-40B4-BE49-F238E27FC236}">
-                <a16:creationId xmlns:a16="http://schemas.microsoft.com/office/drawing/2014/main" id="{B7346335-5C1B-79D3-B284-D5BBE19A5251}"/>
+                <a16:creationId xmlns:a16="http://schemas.microsoft.com/office/drawing/2014/main" id="{B84DCF9A-2483-4D49-AFE9-7AAE8DC95DDB}"/>
               </a:ext>
             </a:extLst>
           </p:cNvPr>
@@ -1318,7 +1318,7 @@
           <p:cNvPr id="4" name="内容占位符 3">
             <a:extLst>
               <a:ext uri="{FF2B5EF4-FFF2-40B4-BE49-F238E27FC236}">
-                <a16:creationId xmlns:a16="http://schemas.microsoft.com/office/drawing/2014/main" id="{26DE8E98-6446-9760-4BE7-7B845A09191B}"/>
+                <a16:creationId xmlns:a16="http://schemas.microsoft.com/office/drawing/2014/main" id="{EF4D9973-18B6-CA9B-19DE-1D0692268017}"/>
               </a:ext>
             </a:extLst>
           </p:cNvPr>
@@ -1380,7 +1380,7 @@
           <p:cNvPr id="5" name="日期占位符 4">
             <a:extLst>
               <a:ext uri="{FF2B5EF4-FFF2-40B4-BE49-F238E27FC236}">
-                <a16:creationId xmlns:a16="http://schemas.microsoft.com/office/drawing/2014/main" id="{D039D9C7-56EE-A91C-F326-D168718B5B61}"/>
+                <a16:creationId xmlns:a16="http://schemas.microsoft.com/office/drawing/2014/main" id="{8C8C7992-23AB-E160-3C98-466CB015B2CE}"/>
               </a:ext>
             </a:extLst>
           </p:cNvPr>
@@ -1396,7 +1396,7 @@
           <a:bodyPr/>
           <a:lstStyle/>
           <a:p>
-            <a:fld id="{4C4416E0-329F-4E98-BC1C-94B0DC4E04A3}" type="datetimeFigureOut">
+            <a:fld id="{530CC64E-B7EC-4074-BA2F-697771490B00}" type="datetimeFigureOut">
               <a:rPr lang="zh-CN" altLang="en-US" smtClean="0"/>
               <a:t>2024/3/10</a:t>
             </a:fld>
@@ -1409,7 +1409,7 @@
           <p:cNvPr id="6" name="页脚占位符 5">
             <a:extLst>
               <a:ext uri="{FF2B5EF4-FFF2-40B4-BE49-F238E27FC236}">
-                <a16:creationId xmlns:a16="http://schemas.microsoft.com/office/drawing/2014/main" id="{0D20FD65-8027-3022-1528-319ED7EE2295}"/>
+                <a16:creationId xmlns:a16="http://schemas.microsoft.com/office/drawing/2014/main" id="{9EDEE473-F9A1-6EF8-4F6F-45BDE3D33CAE}"/>
               </a:ext>
             </a:extLst>
           </p:cNvPr>
@@ -1434,7 +1434,7 @@
           <p:cNvPr id="7" name="灯片编号占位符 6">
             <a:extLst>
               <a:ext uri="{FF2B5EF4-FFF2-40B4-BE49-F238E27FC236}">
-                <a16:creationId xmlns:a16="http://schemas.microsoft.com/office/drawing/2014/main" id="{7A361D14-600C-15F1-E9B3-9C2DA6AD0D95}"/>
+                <a16:creationId xmlns:a16="http://schemas.microsoft.com/office/drawing/2014/main" id="{53CBB2F5-CE6E-C8CA-55D0-F1AEC2CAE751}"/>
               </a:ext>
             </a:extLst>
           </p:cNvPr>
@@ -1450,7 +1450,7 @@
           <a:bodyPr/>
           <a:lstStyle/>
           <a:p>
-            <a:fld id="{4479701C-4262-4C3A-ACBF-4410DE2D1F17}" type="slidenum">
+            <a:fld id="{B93485D2-D1B7-435E-8AF7-444BCFDC1A37}" type="slidenum">
               <a:rPr lang="zh-CN" altLang="en-US" smtClean="0"/>
               <a:t>‹#›</a:t>
             </a:fld>
@@ -1461,7 +1461,7 @@
     </p:spTree>
     <p:extLst>
       <p:ext uri="{BB962C8B-B14F-4D97-AF65-F5344CB8AC3E}">
-        <p14:creationId xmlns:p14="http://schemas.microsoft.com/office/powerpoint/2010/main" val="3226323804"/>
+        <p14:creationId xmlns:p14="http://schemas.microsoft.com/office/powerpoint/2010/main" val="2858442911"/>
       </p:ext>
     </p:extLst>
   </p:cSld>
@@ -1493,7 +1493,7 @@
           <p:cNvPr id="2" name="标题 1">
             <a:extLst>
               <a:ext uri="{FF2B5EF4-FFF2-40B4-BE49-F238E27FC236}">
-                <a16:creationId xmlns:a16="http://schemas.microsoft.com/office/drawing/2014/main" id="{B175843E-89AB-E91E-8217-3363A63DCC96}"/>
+                <a16:creationId xmlns:a16="http://schemas.microsoft.com/office/drawing/2014/main" id="{8FD07011-94E5-2498-0CB6-5E0BEB490035}"/>
               </a:ext>
             </a:extLst>
           </p:cNvPr>
@@ -1526,7 +1526,7 @@
           <p:cNvPr id="3" name="文本占位符 2">
             <a:extLst>
               <a:ext uri="{FF2B5EF4-FFF2-40B4-BE49-F238E27FC236}">
-                <a16:creationId xmlns:a16="http://schemas.microsoft.com/office/drawing/2014/main" id="{B3E9FE43-E448-F03F-6B09-4DCBDB39A9B0}"/>
+                <a16:creationId xmlns:a16="http://schemas.microsoft.com/office/drawing/2014/main" id="{B856A733-EE32-8306-0F0E-C8ABF7C8B665}"/>
               </a:ext>
             </a:extLst>
           </p:cNvPr>
@@ -1597,7 +1597,7 @@
           <p:cNvPr id="4" name="内容占位符 3">
             <a:extLst>
               <a:ext uri="{FF2B5EF4-FFF2-40B4-BE49-F238E27FC236}">
-                <a16:creationId xmlns:a16="http://schemas.microsoft.com/office/drawing/2014/main" id="{98BD7312-92A1-951E-1412-01C66AE21A26}"/>
+                <a16:creationId xmlns:a16="http://schemas.microsoft.com/office/drawing/2014/main" id="{B8A00940-7880-1611-3091-CB54F5135115}"/>
               </a:ext>
             </a:extLst>
           </p:cNvPr>
@@ -1659,7 +1659,7 @@
           <p:cNvPr id="5" name="文本占位符 4">
             <a:extLst>
               <a:ext uri="{FF2B5EF4-FFF2-40B4-BE49-F238E27FC236}">
-                <a16:creationId xmlns:a16="http://schemas.microsoft.com/office/drawing/2014/main" id="{45B4A351-7285-213A-DB16-2E24AA67665F}"/>
+                <a16:creationId xmlns:a16="http://schemas.microsoft.com/office/drawing/2014/main" id="{648998AF-4926-526D-C236-8F0107C39209}"/>
               </a:ext>
             </a:extLst>
           </p:cNvPr>
@@ -1730,7 +1730,7 @@
           <p:cNvPr id="6" name="内容占位符 5">
             <a:extLst>
               <a:ext uri="{FF2B5EF4-FFF2-40B4-BE49-F238E27FC236}">
-                <a16:creationId xmlns:a16="http://schemas.microsoft.com/office/drawing/2014/main" id="{D4FB2FA2-C45B-04A7-630D-9D852EE2C7D8}"/>
+                <a16:creationId xmlns:a16="http://schemas.microsoft.com/office/drawing/2014/main" id="{F7DEB092-36F2-A675-5F64-5ED3693DE16D}"/>
               </a:ext>
             </a:extLst>
           </p:cNvPr>
@@ -1792,7 +1792,7 @@
           <p:cNvPr id="7" name="日期占位符 6">
             <a:extLst>
               <a:ext uri="{FF2B5EF4-FFF2-40B4-BE49-F238E27FC236}">
-                <a16:creationId xmlns:a16="http://schemas.microsoft.com/office/drawing/2014/main" id="{A1C96697-59FA-FB93-76DE-D50A0B2A6581}"/>
+                <a16:creationId xmlns:a16="http://schemas.microsoft.com/office/drawing/2014/main" id="{E00BFC55-D8FF-63A7-C873-46AE1B351CEE}"/>
               </a:ext>
             </a:extLst>
           </p:cNvPr>
@@ -1808,7 +1808,7 @@
           <a:bodyPr/>
           <a:lstStyle/>
           <a:p>
-            <a:fld id="{4C4416E0-329F-4E98-BC1C-94B0DC4E04A3}" type="datetimeFigureOut">
+            <a:fld id="{530CC64E-B7EC-4074-BA2F-697771490B00}" type="datetimeFigureOut">
               <a:rPr lang="zh-CN" altLang="en-US" smtClean="0"/>
               <a:t>2024/3/10</a:t>
             </a:fld>
@@ -1821,7 +1821,7 @@
           <p:cNvPr id="8" name="页脚占位符 7">
             <a:extLst>
               <a:ext uri="{FF2B5EF4-FFF2-40B4-BE49-F238E27FC236}">
-                <a16:creationId xmlns:a16="http://schemas.microsoft.com/office/drawing/2014/main" id="{AF3CF8F8-C596-080C-8699-60B89A4B9096}"/>
+                <a16:creationId xmlns:a16="http://schemas.microsoft.com/office/drawing/2014/main" id="{1305F9E3-1109-0294-F045-2003BE5CD5E3}"/>
               </a:ext>
             </a:extLst>
           </p:cNvPr>
@@ -1846,7 +1846,7 @@
           <p:cNvPr id="9" name="灯片编号占位符 8">
             <a:extLst>
               <a:ext uri="{FF2B5EF4-FFF2-40B4-BE49-F238E27FC236}">
-                <a16:creationId xmlns:a16="http://schemas.microsoft.com/office/drawing/2014/main" id="{3E4B2A4D-E810-5A94-CA07-F25FAC96C9F1}"/>
+                <a16:creationId xmlns:a16="http://schemas.microsoft.com/office/drawing/2014/main" id="{F8DD4414-BBA5-A0A7-8C3A-1BA18844E5C2}"/>
               </a:ext>
             </a:extLst>
           </p:cNvPr>
@@ -1862,7 +1862,7 @@
           <a:bodyPr/>
           <a:lstStyle/>
           <a:p>
-            <a:fld id="{4479701C-4262-4C3A-ACBF-4410DE2D1F17}" type="slidenum">
+            <a:fld id="{B93485D2-D1B7-435E-8AF7-444BCFDC1A37}" type="slidenum">
               <a:rPr lang="zh-CN" altLang="en-US" smtClean="0"/>
               <a:t>‹#›</a:t>
             </a:fld>
@@ -1873,7 +1873,7 @@
     </p:spTree>
     <p:extLst>
       <p:ext uri="{BB962C8B-B14F-4D97-AF65-F5344CB8AC3E}">
-        <p14:creationId xmlns:p14="http://schemas.microsoft.com/office/powerpoint/2010/main" val="718641985"/>
+        <p14:creationId xmlns:p14="http://schemas.microsoft.com/office/powerpoint/2010/main" val="2937973056"/>
       </p:ext>
     </p:extLst>
   </p:cSld>
@@ -1905,7 +1905,7 @@
           <p:cNvPr id="2" name="标题 1">
             <a:extLst>
               <a:ext uri="{FF2B5EF4-FFF2-40B4-BE49-F238E27FC236}">
-                <a16:creationId xmlns:a16="http://schemas.microsoft.com/office/drawing/2014/main" id="{A673D0CD-07AD-DD08-DD8C-1BB6BD601B32}"/>
+                <a16:creationId xmlns:a16="http://schemas.microsoft.com/office/drawing/2014/main" id="{3AC36F4C-D0C7-18FC-1A13-0F2A95BFCFC7}"/>
               </a:ext>
             </a:extLst>
           </p:cNvPr>
@@ -1933,7 +1933,7 @@
           <p:cNvPr id="3" name="日期占位符 2">
             <a:extLst>
               <a:ext uri="{FF2B5EF4-FFF2-40B4-BE49-F238E27FC236}">
-                <a16:creationId xmlns:a16="http://schemas.microsoft.com/office/drawing/2014/main" id="{DC30AE55-68E8-256C-F767-83404284849D}"/>
+                <a16:creationId xmlns:a16="http://schemas.microsoft.com/office/drawing/2014/main" id="{B5AADDC9-5DF0-111E-09C3-CEE86C255434}"/>
               </a:ext>
             </a:extLst>
           </p:cNvPr>
@@ -1949,7 +1949,7 @@
           <a:bodyPr/>
           <a:lstStyle/>
           <a:p>
-            <a:fld id="{4C4416E0-329F-4E98-BC1C-94B0DC4E04A3}" type="datetimeFigureOut">
+            <a:fld id="{530CC64E-B7EC-4074-BA2F-697771490B00}" type="datetimeFigureOut">
               <a:rPr lang="zh-CN" altLang="en-US" smtClean="0"/>
               <a:t>2024/3/10</a:t>
             </a:fld>
@@ -1962,7 +1962,7 @@
           <p:cNvPr id="4" name="页脚占位符 3">
             <a:extLst>
               <a:ext uri="{FF2B5EF4-FFF2-40B4-BE49-F238E27FC236}">
-                <a16:creationId xmlns:a16="http://schemas.microsoft.com/office/drawing/2014/main" id="{30951D95-E60C-24B3-9F03-973463B16872}"/>
+                <a16:creationId xmlns:a16="http://schemas.microsoft.com/office/drawing/2014/main" id="{28AE5ABB-9046-6D33-94D0-A3670CE479C2}"/>
               </a:ext>
             </a:extLst>
           </p:cNvPr>
@@ -1987,7 +1987,7 @@
           <p:cNvPr id="5" name="灯片编号占位符 4">
             <a:extLst>
               <a:ext uri="{FF2B5EF4-FFF2-40B4-BE49-F238E27FC236}">
-                <a16:creationId xmlns:a16="http://schemas.microsoft.com/office/drawing/2014/main" id="{8059501F-5DFC-6C88-A0F5-FD3A06BDACC2}"/>
+                <a16:creationId xmlns:a16="http://schemas.microsoft.com/office/drawing/2014/main" id="{4E787051-5630-3581-97B0-69BDB5A78829}"/>
               </a:ext>
             </a:extLst>
           </p:cNvPr>
@@ -2003,7 +2003,7 @@
           <a:bodyPr/>
           <a:lstStyle/>
           <a:p>
-            <a:fld id="{4479701C-4262-4C3A-ACBF-4410DE2D1F17}" type="slidenum">
+            <a:fld id="{B93485D2-D1B7-435E-8AF7-444BCFDC1A37}" type="slidenum">
               <a:rPr lang="zh-CN" altLang="en-US" smtClean="0"/>
               <a:t>‹#›</a:t>
             </a:fld>
@@ -2014,7 +2014,7 @@
     </p:spTree>
     <p:extLst>
       <p:ext uri="{BB962C8B-B14F-4D97-AF65-F5344CB8AC3E}">
-        <p14:creationId xmlns:p14="http://schemas.microsoft.com/office/powerpoint/2010/main" val="4289032362"/>
+        <p14:creationId xmlns:p14="http://schemas.microsoft.com/office/powerpoint/2010/main" val="1349964045"/>
       </p:ext>
     </p:extLst>
   </p:cSld>
@@ -2046,7 +2046,7 @@
           <p:cNvPr id="2" name="日期占位符 1">
             <a:extLst>
               <a:ext uri="{FF2B5EF4-FFF2-40B4-BE49-F238E27FC236}">
-                <a16:creationId xmlns:a16="http://schemas.microsoft.com/office/drawing/2014/main" id="{E526BDF6-862E-4DC2-C007-4555B78D98E4}"/>
+                <a16:creationId xmlns:a16="http://schemas.microsoft.com/office/drawing/2014/main" id="{BB5FDDF9-D029-7A5C-2CF3-9359E3854A25}"/>
               </a:ext>
             </a:extLst>
           </p:cNvPr>
@@ -2062,7 +2062,7 @@
           <a:bodyPr/>
           <a:lstStyle/>
           <a:p>
-            <a:fld id="{4C4416E0-329F-4E98-BC1C-94B0DC4E04A3}" type="datetimeFigureOut">
+            <a:fld id="{530CC64E-B7EC-4074-BA2F-697771490B00}" type="datetimeFigureOut">
               <a:rPr lang="zh-CN" altLang="en-US" smtClean="0"/>
               <a:t>2024/3/10</a:t>
             </a:fld>
@@ -2075,7 +2075,7 @@
           <p:cNvPr id="3" name="页脚占位符 2">
             <a:extLst>
               <a:ext uri="{FF2B5EF4-FFF2-40B4-BE49-F238E27FC236}">
-                <a16:creationId xmlns:a16="http://schemas.microsoft.com/office/drawing/2014/main" id="{443F5E40-509B-F193-B82C-211490117D23}"/>
+                <a16:creationId xmlns:a16="http://schemas.microsoft.com/office/drawing/2014/main" id="{314A62B8-F1B1-249F-DB0C-33569F1F942B}"/>
               </a:ext>
             </a:extLst>
           </p:cNvPr>
@@ -2100,7 +2100,7 @@
           <p:cNvPr id="4" name="灯片编号占位符 3">
             <a:extLst>
               <a:ext uri="{FF2B5EF4-FFF2-40B4-BE49-F238E27FC236}">
-                <a16:creationId xmlns:a16="http://schemas.microsoft.com/office/drawing/2014/main" id="{4AF808ED-CAAC-0B58-E017-0008343AD353}"/>
+                <a16:creationId xmlns:a16="http://schemas.microsoft.com/office/drawing/2014/main" id="{ECE6EEB2-0216-DCBF-90B1-C12A07D01651}"/>
               </a:ext>
             </a:extLst>
           </p:cNvPr>
@@ -2116,7 +2116,7 @@
           <a:bodyPr/>
           <a:lstStyle/>
           <a:p>
-            <a:fld id="{4479701C-4262-4C3A-ACBF-4410DE2D1F17}" type="slidenum">
+            <a:fld id="{B93485D2-D1B7-435E-8AF7-444BCFDC1A37}" type="slidenum">
               <a:rPr lang="zh-CN" altLang="en-US" smtClean="0"/>
               <a:t>‹#›</a:t>
             </a:fld>
@@ -2127,7 +2127,7 @@
     </p:spTree>
     <p:extLst>
       <p:ext uri="{BB962C8B-B14F-4D97-AF65-F5344CB8AC3E}">
-        <p14:creationId xmlns:p14="http://schemas.microsoft.com/office/powerpoint/2010/main" val="1923112830"/>
+        <p14:creationId xmlns:p14="http://schemas.microsoft.com/office/powerpoint/2010/main" val="3711447149"/>
       </p:ext>
     </p:extLst>
   </p:cSld>
@@ -2159,7 +2159,7 @@
           <p:cNvPr id="2" name="标题 1">
             <a:extLst>
               <a:ext uri="{FF2B5EF4-FFF2-40B4-BE49-F238E27FC236}">
-                <a16:creationId xmlns:a16="http://schemas.microsoft.com/office/drawing/2014/main" id="{79B04835-F75D-55F7-301A-6491B3957AA4}"/>
+                <a16:creationId xmlns:a16="http://schemas.microsoft.com/office/drawing/2014/main" id="{CE848756-E016-D78F-157D-80BADAD296FC}"/>
               </a:ext>
             </a:extLst>
           </p:cNvPr>
@@ -2196,7 +2196,7 @@
           <p:cNvPr id="3" name="内容占位符 2">
             <a:extLst>
               <a:ext uri="{FF2B5EF4-FFF2-40B4-BE49-F238E27FC236}">
-                <a16:creationId xmlns:a16="http://schemas.microsoft.com/office/drawing/2014/main" id="{7C12C67A-DE5D-9957-04CB-EEA44BDD7789}"/>
+                <a16:creationId xmlns:a16="http://schemas.microsoft.com/office/drawing/2014/main" id="{D13BA300-7710-E015-34CB-C5D11990C08B}"/>
               </a:ext>
             </a:extLst>
           </p:cNvPr>
@@ -2286,7 +2286,7 @@
           <p:cNvPr id="4" name="文本占位符 3">
             <a:extLst>
               <a:ext uri="{FF2B5EF4-FFF2-40B4-BE49-F238E27FC236}">
-                <a16:creationId xmlns:a16="http://schemas.microsoft.com/office/drawing/2014/main" id="{D39803B7-7EE5-DBE3-2864-13A68C496DA7}"/>
+                <a16:creationId xmlns:a16="http://schemas.microsoft.com/office/drawing/2014/main" id="{6B49A209-DCC5-2973-E35A-7655497F1BC4}"/>
               </a:ext>
             </a:extLst>
           </p:cNvPr>
@@ -2357,7 +2357,7 @@
           <p:cNvPr id="5" name="日期占位符 4">
             <a:extLst>
               <a:ext uri="{FF2B5EF4-FFF2-40B4-BE49-F238E27FC236}">
-                <a16:creationId xmlns:a16="http://schemas.microsoft.com/office/drawing/2014/main" id="{21832714-9010-AFF1-769F-657A073DAACC}"/>
+                <a16:creationId xmlns:a16="http://schemas.microsoft.com/office/drawing/2014/main" id="{1A9D44B8-A0A0-9E98-5741-0683CF8172F5}"/>
               </a:ext>
             </a:extLst>
           </p:cNvPr>
@@ -2373,7 +2373,7 @@
           <a:bodyPr/>
           <a:lstStyle/>
           <a:p>
-            <a:fld id="{4C4416E0-329F-4E98-BC1C-94B0DC4E04A3}" type="datetimeFigureOut">
+            <a:fld id="{530CC64E-B7EC-4074-BA2F-697771490B00}" type="datetimeFigureOut">
               <a:rPr lang="zh-CN" altLang="en-US" smtClean="0"/>
               <a:t>2024/3/10</a:t>
             </a:fld>
@@ -2386,7 +2386,7 @@
           <p:cNvPr id="6" name="页脚占位符 5">
             <a:extLst>
               <a:ext uri="{FF2B5EF4-FFF2-40B4-BE49-F238E27FC236}">
-                <a16:creationId xmlns:a16="http://schemas.microsoft.com/office/drawing/2014/main" id="{0A0D642A-31FF-3EDF-96A2-1382FE903A1D}"/>
+                <a16:creationId xmlns:a16="http://schemas.microsoft.com/office/drawing/2014/main" id="{94076538-EC5E-90EE-C873-DB6ECBB0E43D}"/>
               </a:ext>
             </a:extLst>
           </p:cNvPr>
@@ -2411,7 +2411,7 @@
           <p:cNvPr id="7" name="灯片编号占位符 6">
             <a:extLst>
               <a:ext uri="{FF2B5EF4-FFF2-40B4-BE49-F238E27FC236}">
-                <a16:creationId xmlns:a16="http://schemas.microsoft.com/office/drawing/2014/main" id="{9C6FAA12-BFE3-1AF6-2B4A-C008CFD77650}"/>
+                <a16:creationId xmlns:a16="http://schemas.microsoft.com/office/drawing/2014/main" id="{0FB3A322-ACF2-B5ED-701B-5CBB26453FAA}"/>
               </a:ext>
             </a:extLst>
           </p:cNvPr>
@@ -2427,7 +2427,7 @@
           <a:bodyPr/>
           <a:lstStyle/>
           <a:p>
-            <a:fld id="{4479701C-4262-4C3A-ACBF-4410DE2D1F17}" type="slidenum">
+            <a:fld id="{B93485D2-D1B7-435E-8AF7-444BCFDC1A37}" type="slidenum">
               <a:rPr lang="zh-CN" altLang="en-US" smtClean="0"/>
               <a:t>‹#›</a:t>
             </a:fld>
@@ -2438,7 +2438,7 @@
     </p:spTree>
     <p:extLst>
       <p:ext uri="{BB962C8B-B14F-4D97-AF65-F5344CB8AC3E}">
-        <p14:creationId xmlns:p14="http://schemas.microsoft.com/office/powerpoint/2010/main" val="3590176799"/>
+        <p14:creationId xmlns:p14="http://schemas.microsoft.com/office/powerpoint/2010/main" val="579650963"/>
       </p:ext>
     </p:extLst>
   </p:cSld>
@@ -2470,7 +2470,7 @@
           <p:cNvPr id="2" name="标题 1">
             <a:extLst>
               <a:ext uri="{FF2B5EF4-FFF2-40B4-BE49-F238E27FC236}">
-                <a16:creationId xmlns:a16="http://schemas.microsoft.com/office/drawing/2014/main" id="{25DD705B-F3F7-7DA7-4D22-3B7FC797D7A8}"/>
+                <a16:creationId xmlns:a16="http://schemas.microsoft.com/office/drawing/2014/main" id="{07D02F3E-6809-6902-A152-393FBC683024}"/>
               </a:ext>
             </a:extLst>
           </p:cNvPr>
@@ -2507,7 +2507,7 @@
           <p:cNvPr id="3" name="图片占位符 2">
             <a:extLst>
               <a:ext uri="{FF2B5EF4-FFF2-40B4-BE49-F238E27FC236}">
-                <a16:creationId xmlns:a16="http://schemas.microsoft.com/office/drawing/2014/main" id="{8B22126F-FAB5-0A95-1B76-E9D46E1C4C1C}"/>
+                <a16:creationId xmlns:a16="http://schemas.microsoft.com/office/drawing/2014/main" id="{0F47701B-0F28-4FD5-39E7-F0EAE78C821D}"/>
               </a:ext>
             </a:extLst>
           </p:cNvPr>
@@ -2574,7 +2574,7 @@
           <p:cNvPr id="4" name="文本占位符 3">
             <a:extLst>
               <a:ext uri="{FF2B5EF4-FFF2-40B4-BE49-F238E27FC236}">
-                <a16:creationId xmlns:a16="http://schemas.microsoft.com/office/drawing/2014/main" id="{D94E036A-844E-86EF-2AA3-E22311A53098}"/>
+                <a16:creationId xmlns:a16="http://schemas.microsoft.com/office/drawing/2014/main" id="{13657620-E4C2-471E-A61D-38B4A5E87725}"/>
               </a:ext>
             </a:extLst>
           </p:cNvPr>
@@ -2645,7 +2645,7 @@
           <p:cNvPr id="5" name="日期占位符 4">
             <a:extLst>
               <a:ext uri="{FF2B5EF4-FFF2-40B4-BE49-F238E27FC236}">
-                <a16:creationId xmlns:a16="http://schemas.microsoft.com/office/drawing/2014/main" id="{7DC8B511-D24D-194E-ABC9-F8BD06DBFEF0}"/>
+                <a16:creationId xmlns:a16="http://schemas.microsoft.com/office/drawing/2014/main" id="{C99AA20D-FB39-BC2A-9DD0-A9F4ED956DFE}"/>
               </a:ext>
             </a:extLst>
           </p:cNvPr>
@@ -2661,7 +2661,7 @@
           <a:bodyPr/>
           <a:lstStyle/>
           <a:p>
-            <a:fld id="{4C4416E0-329F-4E98-BC1C-94B0DC4E04A3}" type="datetimeFigureOut">
+            <a:fld id="{530CC64E-B7EC-4074-BA2F-697771490B00}" type="datetimeFigureOut">
               <a:rPr lang="zh-CN" altLang="en-US" smtClean="0"/>
               <a:t>2024/3/10</a:t>
             </a:fld>
@@ -2674,7 +2674,7 @@
           <p:cNvPr id="6" name="页脚占位符 5">
             <a:extLst>
               <a:ext uri="{FF2B5EF4-FFF2-40B4-BE49-F238E27FC236}">
-                <a16:creationId xmlns:a16="http://schemas.microsoft.com/office/drawing/2014/main" id="{52007F87-7E53-AAD9-9E58-04B823581B33}"/>
+                <a16:creationId xmlns:a16="http://schemas.microsoft.com/office/drawing/2014/main" id="{B654F78E-4452-DFB5-142A-98C8449202D9}"/>
               </a:ext>
             </a:extLst>
           </p:cNvPr>
@@ -2699,7 +2699,7 @@
           <p:cNvPr id="7" name="灯片编号占位符 6">
             <a:extLst>
               <a:ext uri="{FF2B5EF4-FFF2-40B4-BE49-F238E27FC236}">
-                <a16:creationId xmlns:a16="http://schemas.microsoft.com/office/drawing/2014/main" id="{4AB66F56-5ACC-328A-C95D-EC7848E117C3}"/>
+                <a16:creationId xmlns:a16="http://schemas.microsoft.com/office/drawing/2014/main" id="{ABA303BE-3C52-CDA1-3AFF-53A834391BEB}"/>
               </a:ext>
             </a:extLst>
           </p:cNvPr>
@@ -2715,7 +2715,7 @@
           <a:bodyPr/>
           <a:lstStyle/>
           <a:p>
-            <a:fld id="{4479701C-4262-4C3A-ACBF-4410DE2D1F17}" type="slidenum">
+            <a:fld id="{B93485D2-D1B7-435E-8AF7-444BCFDC1A37}" type="slidenum">
               <a:rPr lang="zh-CN" altLang="en-US" smtClean="0"/>
               <a:t>‹#›</a:t>
             </a:fld>
@@ -2726,7 +2726,7 @@
     </p:spTree>
     <p:extLst>
       <p:ext uri="{BB962C8B-B14F-4D97-AF65-F5344CB8AC3E}">
-        <p14:creationId xmlns:p14="http://schemas.microsoft.com/office/powerpoint/2010/main" val="7310312"/>
+        <p14:creationId xmlns:p14="http://schemas.microsoft.com/office/powerpoint/2010/main" val="2374864689"/>
       </p:ext>
     </p:extLst>
   </p:cSld>
@@ -2763,7 +2763,7 @@
           <p:cNvPr id="2" name="标题占位符 1">
             <a:extLst>
               <a:ext uri="{FF2B5EF4-FFF2-40B4-BE49-F238E27FC236}">
-                <a16:creationId xmlns:a16="http://schemas.microsoft.com/office/drawing/2014/main" id="{2FD8CFB2-D378-AF5E-70AA-637A0DAF104A}"/>
+                <a16:creationId xmlns:a16="http://schemas.microsoft.com/office/drawing/2014/main" id="{5D2E2AB9-7F9D-B9E5-8ED0-AFFCD25431E6}"/>
               </a:ext>
             </a:extLst>
           </p:cNvPr>
@@ -2801,7 +2801,7 @@
           <p:cNvPr id="3" name="文本占位符 2">
             <a:extLst>
               <a:ext uri="{FF2B5EF4-FFF2-40B4-BE49-F238E27FC236}">
-                <a16:creationId xmlns:a16="http://schemas.microsoft.com/office/drawing/2014/main" id="{8A25EDD0-4E4B-5438-D5C4-78F05D0B7499}"/>
+                <a16:creationId xmlns:a16="http://schemas.microsoft.com/office/drawing/2014/main" id="{0D0DED3E-C906-9E8F-F5F7-FDF7B3567B3B}"/>
               </a:ext>
             </a:extLst>
           </p:cNvPr>
@@ -2868,7 +2868,7 @@
           <p:cNvPr id="4" name="日期占位符 3">
             <a:extLst>
               <a:ext uri="{FF2B5EF4-FFF2-40B4-BE49-F238E27FC236}">
-                <a16:creationId xmlns:a16="http://schemas.microsoft.com/office/drawing/2014/main" id="{203A651A-72B5-951A-3716-68780BDD8580}"/>
+                <a16:creationId xmlns:a16="http://schemas.microsoft.com/office/drawing/2014/main" id="{631F5AAA-91F6-2A86-8B3A-94F53495162D}"/>
               </a:ext>
             </a:extLst>
           </p:cNvPr>
@@ -2902,7 +2902,7 @@
             </a:lvl1pPr>
           </a:lstStyle>
           <a:p>
-            <a:fld id="{4C4416E0-329F-4E98-BC1C-94B0DC4E04A3}" type="datetimeFigureOut">
+            <a:fld id="{530CC64E-B7EC-4074-BA2F-697771490B00}" type="datetimeFigureOut">
               <a:rPr lang="zh-CN" altLang="en-US" smtClean="0"/>
               <a:t>2024/3/10</a:t>
             </a:fld>
@@ -2915,7 +2915,7 @@
           <p:cNvPr id="5" name="页脚占位符 4">
             <a:extLst>
               <a:ext uri="{FF2B5EF4-FFF2-40B4-BE49-F238E27FC236}">
-                <a16:creationId xmlns:a16="http://schemas.microsoft.com/office/drawing/2014/main" id="{5DBB45FD-EB40-9255-14C2-FEE15A903282}"/>
+                <a16:creationId xmlns:a16="http://schemas.microsoft.com/office/drawing/2014/main" id="{6EFF8255-C172-26DA-EB55-2978F8282482}"/>
               </a:ext>
             </a:extLst>
           </p:cNvPr>
@@ -2958,7 +2958,7 @@
           <p:cNvPr id="6" name="灯片编号占位符 5">
             <a:extLst>
               <a:ext uri="{FF2B5EF4-FFF2-40B4-BE49-F238E27FC236}">
-                <a16:creationId xmlns:a16="http://schemas.microsoft.com/office/drawing/2014/main" id="{DCFD99C7-9C8A-22FA-83F9-549C7C2B6BFC}"/>
+                <a16:creationId xmlns:a16="http://schemas.microsoft.com/office/drawing/2014/main" id="{FD302C25-E302-BB58-E46B-15FFB7939D73}"/>
               </a:ext>
             </a:extLst>
           </p:cNvPr>
@@ -2992,7 +2992,7 @@
             </a:lvl1pPr>
           </a:lstStyle>
           <a:p>
-            <a:fld id="{4479701C-4262-4C3A-ACBF-4410DE2D1F17}" type="slidenum">
+            <a:fld id="{B93485D2-D1B7-435E-8AF7-444BCFDC1A37}" type="slidenum">
               <a:rPr lang="zh-CN" altLang="en-US" smtClean="0"/>
               <a:t>‹#›</a:t>
             </a:fld>
@@ -3003,7 +3003,7 @@
     </p:spTree>
     <p:extLst>
       <p:ext uri="{BB962C8B-B14F-4D97-AF65-F5344CB8AC3E}">
-        <p14:creationId xmlns:p14="http://schemas.microsoft.com/office/powerpoint/2010/main" val="3211986288"/>
+        <p14:creationId xmlns:p14="http://schemas.microsoft.com/office/powerpoint/2010/main" val="331571953"/>
       </p:ext>
     </p:extLst>
   </p:cSld>
